--- a/2016-11-23 Teensy 3.6 Current Draw/Figures.pptx
+++ b/2016-11-23 Teensy 3.6 Current Draw/Figures.pptx
@@ -6,7 +6,9 @@
   </p:sldMasterIdLst>
   <p:sldIdLst>
     <p:sldId id="256" r:id="rId2"/>
-    <p:sldId id="257" r:id="rId3"/>
+    <p:sldId id="258" r:id="rId3"/>
+    <p:sldId id="257" r:id="rId4"/>
+    <p:sldId id="259" r:id="rId5"/>
   </p:sldIdLst>
   <p:sldSz cx="9144000" cy="6858000" type="screen4x3"/>
   <p:notesSz cx="6858000" cy="9144000"/>
@@ -7926,6 +7928,100 @@
           <a:chExt cx="0" cy="0"/>
         </a:xfrm>
       </p:grpSpPr>
+      <p:pic>
+        <p:nvPicPr>
+          <p:cNvPr id="1026" name="Picture 2"/>
+          <p:cNvPicPr>
+            <a:picLocks noChangeAspect="1" noChangeArrowheads="1"/>
+          </p:cNvPicPr>
+          <p:nvPr/>
+        </p:nvPicPr>
+        <p:blipFill>
+          <a:blip r:embed="rId2">
+            <a:extLst>
+              <a:ext uri="{28A0092B-C50C-407E-A947-70E740481C1C}">
+                <a14:useLocalDpi xmlns:a14="http://schemas.microsoft.com/office/drawing/2010/main" val="0"/>
+              </a:ext>
+            </a:extLst>
+          </a:blip>
+          <a:srcRect/>
+          <a:stretch>
+            <a:fillRect/>
+          </a:stretch>
+        </p:blipFill>
+        <p:spPr bwMode="auto">
+          <a:xfrm>
+            <a:off x="2279650" y="1776413"/>
+            <a:ext cx="4584700" cy="3292475"/>
+          </a:xfrm>
+          <a:prstGeom prst="rect">
+            <a:avLst/>
+          </a:prstGeom>
+          <a:noFill/>
+          <a:ln>
+            <a:noFill/>
+          </a:ln>
+          <a:effectLst/>
+          <a:extLst>
+            <a:ext uri="{909E8E84-426E-40DD-AFC4-6F175D3DCCD1}">
+              <a14:hiddenFill xmlns:a14="http://schemas.microsoft.com/office/drawing/2010/main">
+                <a:solidFill>
+                  <a:schemeClr val="accent1"/>
+                </a:solidFill>
+              </a14:hiddenFill>
+            </a:ext>
+            <a:ext uri="{91240B29-F687-4F45-9708-019B960494DF}">
+              <a14:hiddenLine xmlns:a14="http://schemas.microsoft.com/office/drawing/2010/main" w="9525">
+                <a:solidFill>
+                  <a:schemeClr val="tx1"/>
+                </a:solidFill>
+                <a:miter lim="800000"/>
+                <a:headEnd/>
+                <a:tailEnd/>
+              </a14:hiddenLine>
+            </a:ext>
+            <a:ext uri="{AF507438-7753-43E0-B8FC-AC1667EBCBE1}">
+              <a14:hiddenEffects xmlns:a14="http://schemas.microsoft.com/office/drawing/2010/main">
+                <a:effectLst>
+                  <a:outerShdw dist="35921" dir="2700000" algn="ctr" rotWithShape="0">
+                    <a:schemeClr val="bg2"/>
+                  </a:outerShdw>
+                </a:effectLst>
+              </a14:hiddenEffects>
+            </a:ext>
+          </a:extLst>
+        </p:spPr>
+      </p:pic>
+    </p:spTree>
+    <p:extLst>
+      <p:ext uri="{BB962C8B-B14F-4D97-AF65-F5344CB8AC3E}">
+        <p14:creationId xmlns:p14="http://schemas.microsoft.com/office/powerpoint/2010/main" val="2970383389"/>
+      </p:ext>
+    </p:extLst>
+  </p:cSld>
+  <p:clrMapOvr>
+    <a:masterClrMapping/>
+  </p:clrMapOvr>
+</p:sld>
+</file>
+
+<file path=ppt/slides/slide3.xml><?xml version="1.0" encoding="utf-8"?>
+<p:sld xmlns:a="http://schemas.openxmlformats.org/drawingml/2006/main" xmlns:r="http://schemas.openxmlformats.org/officeDocument/2006/relationships" xmlns:p="http://schemas.openxmlformats.org/presentationml/2006/main">
+  <p:cSld>
+    <p:spTree>
+      <p:nvGrpSpPr>
+        <p:cNvPr id="1" name=""/>
+        <p:cNvGrpSpPr/>
+        <p:nvPr/>
+      </p:nvGrpSpPr>
+      <p:grpSpPr>
+        <a:xfrm>
+          <a:off x="0" y="0"/>
+          <a:ext cx="0" cy="0"/>
+          <a:chOff x="0" y="0"/>
+          <a:chExt cx="0" cy="0"/>
+        </a:xfrm>
+      </p:grpSpPr>
       <p:graphicFrame>
         <p:nvGraphicFramePr>
           <p:cNvPr id="4" name="Table 3"/>
@@ -7935,7 +8031,7 @@
           <p:nvPr>
             <p:extLst>
               <p:ext uri="{D42A27DB-BD31-4B8C-83A1-F6EECF244321}">
-                <p14:modId xmlns:p14="http://schemas.microsoft.com/office/powerpoint/2010/main" val="82434409"/>
+                <p14:modId xmlns:p14="http://schemas.microsoft.com/office/powerpoint/2010/main" val="2852787025"/>
               </p:ext>
             </p:extLst>
           </p:nvPr>
@@ -8353,6 +8449,126 @@
                     <a:p>
                       <a:pPr algn="ctr" fontAlgn="b"/>
                       <a:r>
+                        <a:rPr lang="en-US" sz="1200" b="0" i="0" u="none" strike="noStrike" dirty="0">
+                          <a:solidFill>
+                            <a:srgbClr val="000000"/>
+                          </a:solidFill>
+                          <a:effectLst/>
+                          <a:latin typeface="Arial"/>
+                        </a:rPr>
+                        <a:t>100</a:t>
+                      </a:r>
+                    </a:p>
+                  </a:txBody>
+                  <a:tcPr marL="9525" marR="9525" marT="9525" marB="0" anchor="ctr">
+                    <a:lnL w="6350" cap="flat" cmpd="sng" algn="ctr">
+                      <a:solidFill>
+                        <a:srgbClr val="000000"/>
+                      </a:solidFill>
+                      <a:prstDash val="solid"/>
+                      <a:round/>
+                      <a:headEnd type="none" w="med" len="med"/>
+                      <a:tailEnd type="none" w="med" len="med"/>
+                    </a:lnL>
+                    <a:lnR w="6350" cap="flat" cmpd="sng" algn="ctr">
+                      <a:solidFill>
+                        <a:srgbClr val="000000"/>
+                      </a:solidFill>
+                      <a:prstDash val="solid"/>
+                      <a:round/>
+                      <a:headEnd type="none" w="med" len="med"/>
+                      <a:tailEnd type="none" w="med" len="med"/>
+                    </a:lnR>
+                    <a:lnT w="6350" cap="flat" cmpd="sng" algn="ctr">
+                      <a:solidFill>
+                        <a:srgbClr val="000000"/>
+                      </a:solidFill>
+                      <a:prstDash val="solid"/>
+                      <a:round/>
+                      <a:headEnd type="none" w="med" len="med"/>
+                      <a:tailEnd type="none" w="med" len="med"/>
+                    </a:lnT>
+                    <a:lnB w="6350" cap="flat" cmpd="sng" algn="ctr">
+                      <a:solidFill>
+                        <a:srgbClr val="000000"/>
+                      </a:solidFill>
+                      <a:prstDash val="solid"/>
+                      <a:round/>
+                      <a:headEnd type="none" w="med" len="med"/>
+                      <a:tailEnd type="none" w="med" len="med"/>
+                    </a:lnB>
+                    <a:solidFill>
+                      <a:schemeClr val="bg1"/>
+                    </a:solidFill>
+                  </a:tcPr>
+                </a:tc>
+                <a:tc>
+                  <a:txBody>
+                    <a:bodyPr/>
+                    <a:lstStyle/>
+                    <a:p>
+                      <a:pPr algn="ctr" fontAlgn="b"/>
+                      <a:r>
+                        <a:rPr lang="en-US" sz="1200" b="0" i="0" u="none" strike="noStrike" dirty="0">
+                          <a:solidFill>
+                            <a:srgbClr val="000000"/>
+                          </a:solidFill>
+                          <a:effectLst/>
+                          <a:latin typeface="Arial"/>
+                        </a:rPr>
+                        <a:t>1.10</a:t>
+                      </a:r>
+                    </a:p>
+                  </a:txBody>
+                  <a:tcPr marL="9525" marR="9525" marT="9525" marB="0" anchor="ctr">
+                    <a:lnL w="6350" cap="flat" cmpd="sng" algn="ctr">
+                      <a:solidFill>
+                        <a:srgbClr val="000000"/>
+                      </a:solidFill>
+                      <a:prstDash val="solid"/>
+                      <a:round/>
+                      <a:headEnd type="none" w="med" len="med"/>
+                      <a:tailEnd type="none" w="med" len="med"/>
+                    </a:lnL>
+                    <a:lnR w="6350" cap="flat" cmpd="sng" algn="ctr">
+                      <a:solidFill>
+                        <a:srgbClr val="000000"/>
+                      </a:solidFill>
+                      <a:prstDash val="solid"/>
+                      <a:round/>
+                      <a:headEnd type="none" w="med" len="med"/>
+                      <a:tailEnd type="none" w="med" len="med"/>
+                    </a:lnR>
+                    <a:lnT w="6350" cap="flat" cmpd="sng" algn="ctr">
+                      <a:solidFill>
+                        <a:srgbClr val="000000"/>
+                      </a:solidFill>
+                      <a:prstDash val="solid"/>
+                      <a:round/>
+                      <a:headEnd type="none" w="med" len="med"/>
+                      <a:tailEnd type="none" w="med" len="med"/>
+                    </a:lnT>
+                    <a:lnB w="6350" cap="flat" cmpd="sng" algn="ctr">
+                      <a:solidFill>
+                        <a:srgbClr val="000000"/>
+                      </a:solidFill>
+                      <a:prstDash val="solid"/>
+                      <a:round/>
+                      <a:headEnd type="none" w="med" len="med"/>
+                      <a:tailEnd type="none" w="med" len="med"/>
+                    </a:lnB>
+                    <a:solidFill>
+                      <a:schemeClr val="bg1"/>
+                    </a:solidFill>
+                  </a:tcPr>
+                </a:tc>
+                <a:tc>
+                  <a:txBody>
+                    <a:bodyPr/>
+                    <a:lstStyle/>
+                    <a:p>
+                      <a:pPr algn="ctr" fontAlgn="b"/>
+                      <a:r>
                         <a:rPr lang="en-US" sz="1200" b="0" i="0" u="none" strike="noStrike">
                           <a:solidFill>
                             <a:srgbClr val="000000"/>
@@ -8360,120 +8576,6 @@
                           <a:effectLst/>
                           <a:latin typeface="Arial"/>
                         </a:rPr>
-                        <a:t>100</a:t>
-                      </a:r>
-                    </a:p>
-                  </a:txBody>
-                  <a:tcPr marL="9525" marR="9525" marT="9525" marB="0" anchor="ctr">
-                    <a:lnL w="6350" cap="flat" cmpd="sng" algn="ctr">
-                      <a:solidFill>
-                        <a:srgbClr val="000000"/>
-                      </a:solidFill>
-                      <a:prstDash val="solid"/>
-                      <a:round/>
-                      <a:headEnd type="none" w="med" len="med"/>
-                      <a:tailEnd type="none" w="med" len="med"/>
-                    </a:lnL>
-                    <a:lnR w="6350" cap="flat" cmpd="sng" algn="ctr">
-                      <a:solidFill>
-                        <a:srgbClr val="000000"/>
-                      </a:solidFill>
-                      <a:prstDash val="solid"/>
-                      <a:round/>
-                      <a:headEnd type="none" w="med" len="med"/>
-                      <a:tailEnd type="none" w="med" len="med"/>
-                    </a:lnR>
-                    <a:lnT w="6350" cap="flat" cmpd="sng" algn="ctr">
-                      <a:solidFill>
-                        <a:srgbClr val="000000"/>
-                      </a:solidFill>
-                      <a:prstDash val="solid"/>
-                      <a:round/>
-                      <a:headEnd type="none" w="med" len="med"/>
-                      <a:tailEnd type="none" w="med" len="med"/>
-                    </a:lnT>
-                    <a:lnB w="6350" cap="flat" cmpd="sng" algn="ctr">
-                      <a:solidFill>
-                        <a:srgbClr val="000000"/>
-                      </a:solidFill>
-                      <a:prstDash val="solid"/>
-                      <a:round/>
-                      <a:headEnd type="none" w="med" len="med"/>
-                      <a:tailEnd type="none" w="med" len="med"/>
-                    </a:lnB>
-                  </a:tcPr>
-                </a:tc>
-                <a:tc>
-                  <a:txBody>
-                    <a:bodyPr/>
-                    <a:lstStyle/>
-                    <a:p>
-                      <a:pPr algn="ctr" fontAlgn="b"/>
-                      <a:r>
-                        <a:rPr lang="en-US" sz="1200" b="0" i="0" u="none" strike="noStrike">
-                          <a:solidFill>
-                            <a:srgbClr val="000000"/>
-                          </a:solidFill>
-                          <a:effectLst/>
-                          <a:latin typeface="Arial"/>
-                        </a:rPr>
-                        <a:t>1.10</a:t>
-                      </a:r>
-                    </a:p>
-                  </a:txBody>
-                  <a:tcPr marL="9525" marR="9525" marT="9525" marB="0" anchor="ctr">
-                    <a:lnL w="6350" cap="flat" cmpd="sng" algn="ctr">
-                      <a:solidFill>
-                        <a:srgbClr val="000000"/>
-                      </a:solidFill>
-                      <a:prstDash val="solid"/>
-                      <a:round/>
-                      <a:headEnd type="none" w="med" len="med"/>
-                      <a:tailEnd type="none" w="med" len="med"/>
-                    </a:lnL>
-                    <a:lnR w="6350" cap="flat" cmpd="sng" algn="ctr">
-                      <a:solidFill>
-                        <a:srgbClr val="000000"/>
-                      </a:solidFill>
-                      <a:prstDash val="solid"/>
-                      <a:round/>
-                      <a:headEnd type="none" w="med" len="med"/>
-                      <a:tailEnd type="none" w="med" len="med"/>
-                    </a:lnR>
-                    <a:lnT w="6350" cap="flat" cmpd="sng" algn="ctr">
-                      <a:solidFill>
-                        <a:srgbClr val="000000"/>
-                      </a:solidFill>
-                      <a:prstDash val="solid"/>
-                      <a:round/>
-                      <a:headEnd type="none" w="med" len="med"/>
-                      <a:tailEnd type="none" w="med" len="med"/>
-                    </a:lnT>
-                    <a:lnB w="6350" cap="flat" cmpd="sng" algn="ctr">
-                      <a:solidFill>
-                        <a:srgbClr val="000000"/>
-                      </a:solidFill>
-                      <a:prstDash val="solid"/>
-                      <a:round/>
-                      <a:headEnd type="none" w="med" len="med"/>
-                      <a:tailEnd type="none" w="med" len="med"/>
-                    </a:lnB>
-                  </a:tcPr>
-                </a:tc>
-                <a:tc>
-                  <a:txBody>
-                    <a:bodyPr/>
-                    <a:lstStyle/>
-                    <a:p>
-                      <a:pPr algn="ctr" fontAlgn="b"/>
-                      <a:r>
-                        <a:rPr lang="en-US" sz="1200" b="0" i="0" u="none" strike="noStrike">
-                          <a:solidFill>
-                            <a:srgbClr val="000000"/>
-                          </a:solidFill>
-                          <a:effectLst/>
-                          <a:latin typeface="Arial"/>
-                        </a:rPr>
                         <a:t>1.75</a:t>
                       </a:r>
                     </a:p>
@@ -8515,6 +8617,9 @@
                       <a:headEnd type="none" w="med" len="med"/>
                       <a:tailEnd type="none" w="med" len="med"/>
                     </a:lnB>
+                    <a:solidFill>
+                      <a:schemeClr val="bg1"/>
+                    </a:solidFill>
                   </a:tcPr>
                 </a:tc>
               </a:tr>
@@ -8574,6 +8679,9 @@
                       <a:headEnd type="none" w="med" len="med"/>
                       <a:tailEnd type="none" w="med" len="med"/>
                     </a:lnB>
+                    <a:solidFill>
+                      <a:schemeClr val="bg1"/>
+                    </a:solidFill>
                   </a:tcPr>
                 </a:tc>
                 <a:tc>
@@ -8583,7 +8691,7 @@
                     <a:p>
                       <a:pPr algn="ctr" fontAlgn="b"/>
                       <a:r>
-                        <a:rPr lang="en-US" sz="1200" b="0" i="0" u="none" strike="noStrike">
+                        <a:rPr lang="en-US" sz="1200" b="0" i="0" u="none" strike="noStrike" dirty="0">
                           <a:solidFill>
                             <a:srgbClr val="000000"/>
                           </a:solidFill>
@@ -8631,6 +8739,9 @@
                       <a:headEnd type="none" w="med" len="med"/>
                       <a:tailEnd type="none" w="med" len="med"/>
                     </a:lnB>
+                    <a:solidFill>
+                      <a:schemeClr val="bg1"/>
+                    </a:solidFill>
                   </a:tcPr>
                 </a:tc>
                 <a:tc>
@@ -8688,6 +8799,9 @@
                       <a:headEnd type="none" w="med" len="med"/>
                       <a:tailEnd type="none" w="med" len="med"/>
                     </a:lnB>
+                    <a:solidFill>
+                      <a:schemeClr val="bg1"/>
+                    </a:solidFill>
                   </a:tcPr>
                 </a:tc>
               </a:tr>
@@ -8929,6 +9043,9 @@
                       <a:headEnd type="none" w="med" len="med"/>
                       <a:tailEnd type="none" w="med" len="med"/>
                     </a:lnB>
+                    <a:solidFill>
+                      <a:schemeClr val="bg1"/>
+                    </a:solidFill>
                   </a:tcPr>
                 </a:tc>
                 <a:tc>
@@ -8986,6 +9103,9 @@
                       <a:headEnd type="none" w="med" len="med"/>
                       <a:tailEnd type="none" w="med" len="med"/>
                     </a:lnB>
+                    <a:solidFill>
+                      <a:schemeClr val="bg1"/>
+                    </a:solidFill>
                   </a:tcPr>
                 </a:tc>
                 <a:tc>
@@ -9043,6 +9163,9 @@
                       <a:headEnd type="none" w="med" len="med"/>
                       <a:tailEnd type="none" w="med" len="med"/>
                     </a:lnB>
+                    <a:solidFill>
+                      <a:schemeClr val="bg1"/>
+                    </a:solidFill>
                   </a:tcPr>
                 </a:tc>
               </a:tr>
@@ -9102,6 +9225,9 @@
                       <a:headEnd type="none" w="med" len="med"/>
                       <a:tailEnd type="none" w="med" len="med"/>
                     </a:lnB>
+                    <a:solidFill>
+                      <a:schemeClr val="bg1"/>
+                    </a:solidFill>
                   </a:tcPr>
                 </a:tc>
                 <a:tc>
@@ -9159,6 +9285,9 @@
                       <a:headEnd type="none" w="med" len="med"/>
                       <a:tailEnd type="none" w="med" len="med"/>
                     </a:lnB>
+                    <a:solidFill>
+                      <a:schemeClr val="bg1"/>
+                    </a:solidFill>
                   </a:tcPr>
                 </a:tc>
                 <a:tc>
@@ -9216,6 +9345,9 @@
                       <a:headEnd type="none" w="med" len="med"/>
                       <a:tailEnd type="none" w="med" len="med"/>
                     </a:lnB>
+                    <a:solidFill>
+                      <a:schemeClr val="bg1"/>
+                    </a:solidFill>
                   </a:tcPr>
                 </a:tc>
               </a:tr>
@@ -9275,6 +9407,9 @@
                       <a:headEnd type="none" w="med" len="med"/>
                       <a:tailEnd type="none" w="med" len="med"/>
                     </a:lnB>
+                    <a:solidFill>
+                      <a:schemeClr val="bg1"/>
+                    </a:solidFill>
                   </a:tcPr>
                 </a:tc>
                 <a:tc>
@@ -9332,6 +9467,9 @@
                       <a:headEnd type="none" w="med" len="med"/>
                       <a:tailEnd type="none" w="med" len="med"/>
                     </a:lnB>
+                    <a:solidFill>
+                      <a:schemeClr val="bg1"/>
+                    </a:solidFill>
                   </a:tcPr>
                 </a:tc>
                 <a:tc>
@@ -9341,7 +9479,7 @@
                     <a:p>
                       <a:pPr algn="ctr" fontAlgn="b"/>
                       <a:r>
-                        <a:rPr lang="en-US" sz="1200" b="0" i="0" u="none" strike="noStrike">
+                        <a:rPr lang="en-US" sz="1200" b="0" i="0" u="none" strike="noStrike" dirty="0">
                           <a:solidFill>
                             <a:srgbClr val="000000"/>
                           </a:solidFill>
@@ -9389,6 +9527,9 @@
                       <a:headEnd type="none" w="med" len="med"/>
                       <a:tailEnd type="none" w="med" len="med"/>
                     </a:lnB>
+                    <a:solidFill>
+                      <a:schemeClr val="bg1"/>
+                    </a:solidFill>
                   </a:tcPr>
                 </a:tc>
               </a:tr>
@@ -9448,6 +9589,9 @@
                       <a:headEnd type="none" w="med" len="med"/>
                       <a:tailEnd type="none" w="med" len="med"/>
                     </a:lnB>
+                    <a:solidFill>
+                      <a:schemeClr val="bg1"/>
+                    </a:solidFill>
                   </a:tcPr>
                 </a:tc>
                 <a:tc>
@@ -9505,6 +9649,9 @@
                       <a:headEnd type="none" w="med" len="med"/>
                       <a:tailEnd type="none" w="med" len="med"/>
                     </a:lnB>
+                    <a:solidFill>
+                      <a:schemeClr val="bg1"/>
+                    </a:solidFill>
                   </a:tcPr>
                 </a:tc>
                 <a:tc>
@@ -9562,6 +9709,9 @@
                       <a:headEnd type="none" w="med" len="med"/>
                       <a:tailEnd type="none" w="med" len="med"/>
                     </a:lnB>
+                    <a:solidFill>
+                      <a:schemeClr val="bg1"/>
+                    </a:solidFill>
                   </a:tcPr>
                 </a:tc>
               </a:tr>
@@ -9621,6 +9771,9 @@
                       <a:headEnd type="none" w="med" len="med"/>
                       <a:tailEnd type="none" w="med" len="med"/>
                     </a:lnB>
+                    <a:solidFill>
+                      <a:schemeClr val="bg1"/>
+                    </a:solidFill>
                   </a:tcPr>
                 </a:tc>
                 <a:tc>
@@ -9678,6 +9831,9 @@
                       <a:headEnd type="none" w="med" len="med"/>
                       <a:tailEnd type="none" w="med" len="med"/>
                     </a:lnB>
+                    <a:solidFill>
+                      <a:schemeClr val="bg1"/>
+                    </a:solidFill>
                   </a:tcPr>
                 </a:tc>
                 <a:tc>
@@ -9735,6 +9891,9 @@
                       <a:headEnd type="none" w="med" len="med"/>
                       <a:tailEnd type="none" w="med" len="med"/>
                     </a:lnB>
+                    <a:solidFill>
+                      <a:schemeClr val="bg1"/>
+                    </a:solidFill>
                   </a:tcPr>
                 </a:tc>
               </a:tr>
@@ -9746,6 +9905,100 @@
     <p:extLst>
       <p:ext uri="{BB962C8B-B14F-4D97-AF65-F5344CB8AC3E}">
         <p14:creationId xmlns:p14="http://schemas.microsoft.com/office/powerpoint/2010/main" val="3218524805"/>
+      </p:ext>
+    </p:extLst>
+  </p:cSld>
+  <p:clrMapOvr>
+    <a:masterClrMapping/>
+  </p:clrMapOvr>
+</p:sld>
+</file>
+
+<file path=ppt/slides/slide4.xml><?xml version="1.0" encoding="utf-8"?>
+<p:sld xmlns:a="http://schemas.openxmlformats.org/drawingml/2006/main" xmlns:r="http://schemas.openxmlformats.org/officeDocument/2006/relationships" xmlns:p="http://schemas.openxmlformats.org/presentationml/2006/main">
+  <p:cSld>
+    <p:spTree>
+      <p:nvGrpSpPr>
+        <p:cNvPr id="1" name=""/>
+        <p:cNvGrpSpPr/>
+        <p:nvPr/>
+      </p:nvGrpSpPr>
+      <p:grpSpPr>
+        <a:xfrm>
+          <a:off x="0" y="0"/>
+          <a:ext cx="0" cy="0"/>
+          <a:chOff x="0" y="0"/>
+          <a:chExt cx="0" cy="0"/>
+        </a:xfrm>
+      </p:grpSpPr>
+      <p:pic>
+        <p:nvPicPr>
+          <p:cNvPr id="2050" name="Picture 2"/>
+          <p:cNvPicPr>
+            <a:picLocks noChangeAspect="1" noChangeArrowheads="1"/>
+          </p:cNvPicPr>
+          <p:nvPr/>
+        </p:nvPicPr>
+        <p:blipFill>
+          <a:blip r:embed="rId2">
+            <a:extLst>
+              <a:ext uri="{28A0092B-C50C-407E-A947-70E740481C1C}">
+                <a14:useLocalDpi xmlns:a14="http://schemas.microsoft.com/office/drawing/2010/main" val="0"/>
+              </a:ext>
+            </a:extLst>
+          </a:blip>
+          <a:srcRect/>
+          <a:stretch>
+            <a:fillRect/>
+          </a:stretch>
+        </p:blipFill>
+        <p:spPr bwMode="auto">
+          <a:xfrm>
+            <a:off x="2279650" y="1779588"/>
+            <a:ext cx="4584700" cy="3286125"/>
+          </a:xfrm>
+          <a:prstGeom prst="rect">
+            <a:avLst/>
+          </a:prstGeom>
+          <a:noFill/>
+          <a:ln>
+            <a:noFill/>
+          </a:ln>
+          <a:effectLst/>
+          <a:extLst>
+            <a:ext uri="{909E8E84-426E-40DD-AFC4-6F175D3DCCD1}">
+              <a14:hiddenFill xmlns:a14="http://schemas.microsoft.com/office/drawing/2010/main">
+                <a:solidFill>
+                  <a:schemeClr val="accent1"/>
+                </a:solidFill>
+              </a14:hiddenFill>
+            </a:ext>
+            <a:ext uri="{91240B29-F687-4F45-9708-019B960494DF}">
+              <a14:hiddenLine xmlns:a14="http://schemas.microsoft.com/office/drawing/2010/main" w="9525">
+                <a:solidFill>
+                  <a:schemeClr val="tx1"/>
+                </a:solidFill>
+                <a:miter lim="800000"/>
+                <a:headEnd/>
+                <a:tailEnd/>
+              </a14:hiddenLine>
+            </a:ext>
+            <a:ext uri="{AF507438-7753-43E0-B8FC-AC1667EBCBE1}">
+              <a14:hiddenEffects xmlns:a14="http://schemas.microsoft.com/office/drawing/2010/main">
+                <a:effectLst>
+                  <a:outerShdw dist="35921" dir="2700000" algn="ctr" rotWithShape="0">
+                    <a:schemeClr val="bg2"/>
+                  </a:outerShdw>
+                </a:effectLst>
+              </a14:hiddenEffects>
+            </a:ext>
+          </a:extLst>
+        </p:spPr>
+      </p:pic>
+    </p:spTree>
+    <p:extLst>
+      <p:ext uri="{BB962C8B-B14F-4D97-AF65-F5344CB8AC3E}">
+        <p14:creationId xmlns:p14="http://schemas.microsoft.com/office/powerpoint/2010/main" val="3424939291"/>
       </p:ext>
     </p:extLst>
   </p:cSld>

--- a/2016-11-23 Teensy 3.6 Current Draw/Figures.pptx
+++ b/2016-11-23 Teensy 3.6 Current Draw/Figures.pptx
@@ -8031,7 +8031,7 @@
           <p:nvPr>
             <p:extLst>
               <p:ext uri="{D42A27DB-BD31-4B8C-83A1-F6EECF244321}">
-                <p14:modId xmlns:p14="http://schemas.microsoft.com/office/powerpoint/2010/main" val="2852787025"/>
+                <p14:modId xmlns:p14="http://schemas.microsoft.com/office/powerpoint/2010/main" val="2659054629"/>
               </p:ext>
             </p:extLst>
           </p:nvPr>
@@ -8117,14 +8117,44 @@
                     <a:p>
                       <a:pPr algn="ctr" fontAlgn="b"/>
                       <a:r>
-                        <a:rPr lang="en-US" sz="1200" b="1" i="0" u="none" strike="noStrike">
+                        <a:rPr lang="en-US" sz="1200" b="1" i="0" u="none" strike="noStrike" dirty="0">
                           <a:solidFill>
                             <a:srgbClr val="000000"/>
                           </a:solidFill>
                           <a:effectLst/>
                           <a:latin typeface="Arial"/>
                         </a:rPr>
-                        <a:t>Estimated Battery Life</a:t>
+                        <a:t>Estimated Battery </a:t>
+                      </a:r>
+                      <a:r>
+                        <a:rPr lang="en-US" sz="1200" b="1" i="0" u="none" strike="noStrike" dirty="0" smtClean="0">
+                          <a:solidFill>
+                            <a:srgbClr val="000000"/>
+                          </a:solidFill>
+                          <a:effectLst/>
+                          <a:latin typeface="Arial"/>
+                        </a:rPr>
+                        <a:t>Life (</a:t>
+                      </a:r>
+                      <a:r>
+                        <a:rPr lang="en-US" sz="1200" b="1" i="0" u="none" strike="noStrike" dirty="0" err="1" smtClean="0">
+                          <a:solidFill>
+                            <a:srgbClr val="000000"/>
+                          </a:solidFill>
+                          <a:effectLst/>
+                          <a:latin typeface="Arial"/>
+                        </a:rPr>
+                        <a:t>Hrs</a:t>
+                      </a:r>
+                      <a:r>
+                        <a:rPr lang="en-US" sz="1200" b="1" i="0" u="none" strike="noStrike" dirty="0" smtClean="0">
+                          <a:solidFill>
+                            <a:srgbClr val="000000"/>
+                          </a:solidFill>
+                          <a:effectLst/>
+                          <a:latin typeface="Arial"/>
+                        </a:rPr>
+                        <a:t>)</a:t>
                       </a:r>
                     </a:p>
                   </a:txBody>
